--- a/01_Node/BackEnd_01_Node.pptx
+++ b/01_Node/BackEnd_01_Node.pptx
@@ -320,7 +320,7 @@
             <a:fld id="{1D8BD707-D9CF-40AE-B4C6-C98DA3205C09}" type="datetimeFigureOut">
               <a:rPr lang="en-US" smtClean="0"/>
               <a:pPr/>
-              <a:t>3/14/2016</a:t>
+              <a:t>3/23/2016</a:t>
             </a:fld>
             <a:endParaRPr lang="en-US"/>
           </a:p>
@@ -487,7 +487,7 @@
             <a:fld id="{1D8BD707-D9CF-40AE-B4C6-C98DA3205C09}" type="datetimeFigureOut">
               <a:rPr lang="en-US" smtClean="0"/>
               <a:pPr/>
-              <a:t>3/14/2016</a:t>
+              <a:t>3/23/2016</a:t>
             </a:fld>
             <a:endParaRPr lang="en-US"/>
           </a:p>
@@ -664,7 +664,7 @@
             <a:fld id="{1D8BD707-D9CF-40AE-B4C6-C98DA3205C09}" type="datetimeFigureOut">
               <a:rPr lang="en-US" smtClean="0"/>
               <a:pPr/>
-              <a:t>3/14/2016</a:t>
+              <a:t>3/23/2016</a:t>
             </a:fld>
             <a:endParaRPr lang="en-US"/>
           </a:p>
@@ -831,7 +831,7 @@
             <a:fld id="{1D8BD707-D9CF-40AE-B4C6-C98DA3205C09}" type="datetimeFigureOut">
               <a:rPr lang="en-US" smtClean="0"/>
               <a:pPr/>
-              <a:t>3/14/2016</a:t>
+              <a:t>3/23/2016</a:t>
             </a:fld>
             <a:endParaRPr lang="en-US"/>
           </a:p>
@@ -1074,7 +1074,7 @@
             <a:fld id="{1D8BD707-D9CF-40AE-B4C6-C98DA3205C09}" type="datetimeFigureOut">
               <a:rPr lang="en-US" smtClean="0"/>
               <a:pPr/>
-              <a:t>3/14/2016</a:t>
+              <a:t>3/23/2016</a:t>
             </a:fld>
             <a:endParaRPr lang="en-US"/>
           </a:p>
@@ -1359,7 +1359,7 @@
             <a:fld id="{1D8BD707-D9CF-40AE-B4C6-C98DA3205C09}" type="datetimeFigureOut">
               <a:rPr lang="en-US" smtClean="0"/>
               <a:pPr/>
-              <a:t>3/14/2016</a:t>
+              <a:t>3/23/2016</a:t>
             </a:fld>
             <a:endParaRPr lang="en-US"/>
           </a:p>
@@ -1778,7 +1778,7 @@
             <a:fld id="{1D8BD707-D9CF-40AE-B4C6-C98DA3205C09}" type="datetimeFigureOut">
               <a:rPr lang="en-US" smtClean="0"/>
               <a:pPr/>
-              <a:t>3/14/2016</a:t>
+              <a:t>3/23/2016</a:t>
             </a:fld>
             <a:endParaRPr lang="en-US"/>
           </a:p>
@@ -1893,7 +1893,7 @@
             <a:fld id="{1D8BD707-D9CF-40AE-B4C6-C98DA3205C09}" type="datetimeFigureOut">
               <a:rPr lang="en-US" smtClean="0"/>
               <a:pPr/>
-              <a:t>3/14/2016</a:t>
+              <a:t>3/23/2016</a:t>
             </a:fld>
             <a:endParaRPr lang="en-US"/>
           </a:p>
@@ -1985,7 +1985,7 @@
             <a:fld id="{1D8BD707-D9CF-40AE-B4C6-C98DA3205C09}" type="datetimeFigureOut">
               <a:rPr lang="en-US" smtClean="0"/>
               <a:pPr/>
-              <a:t>3/14/2016</a:t>
+              <a:t>3/23/2016</a:t>
             </a:fld>
             <a:endParaRPr lang="en-US"/>
           </a:p>
@@ -2259,7 +2259,7 @@
             <a:fld id="{1D8BD707-D9CF-40AE-B4C6-C98DA3205C09}" type="datetimeFigureOut">
               <a:rPr lang="en-US" smtClean="0"/>
               <a:pPr/>
-              <a:t>3/14/2016</a:t>
+              <a:t>3/23/2016</a:t>
             </a:fld>
             <a:endParaRPr lang="en-US"/>
           </a:p>
@@ -2509,7 +2509,7 @@
             <a:fld id="{1D8BD707-D9CF-40AE-B4C6-C98DA3205C09}" type="datetimeFigureOut">
               <a:rPr lang="en-US" smtClean="0"/>
               <a:pPr/>
-              <a:t>3/14/2016</a:t>
+              <a:t>3/23/2016</a:t>
             </a:fld>
             <a:endParaRPr lang="en-US"/>
           </a:p>
@@ -2719,7 +2719,7 @@
             <a:fld id="{1D8BD707-D9CF-40AE-B4C6-C98DA3205C09}" type="datetimeFigureOut">
               <a:rPr lang="en-US" smtClean="0"/>
               <a:pPr/>
-              <a:t>3/14/2016</a:t>
+              <a:t>3/23/2016</a:t>
             </a:fld>
             <a:endParaRPr lang="en-US"/>
           </a:p>
@@ -3421,7 +3421,7 @@
           <a:p>
             <a:r>
               <a:rPr lang="sr-Latn-RS" dirty="0" smtClean="0"/>
-              <a:t>Ukoliko je operacija koja se izvršava traje, koriste se callback funkcije</a:t>
+              <a:t>Ukoliko operacija koja se izvršava traje, koriste se callback funkcije</a:t>
             </a:r>
           </a:p>
         </p:txBody>
@@ -4367,7 +4367,7 @@
         <p:spPr/>
         <p:txBody>
           <a:bodyPr>
-            <a:normAutofit fontScale="92500"/>
+            <a:normAutofit/>
           </a:bodyPr>
           <a:lstStyle/>
           <a:p>
@@ -4389,13 +4389,6 @@
               <a:rPr lang="sr-Latn-RS" dirty="0" smtClean="0"/>
               <a:t>ima visoke performanse i koristi JavaScript jer JavaScript ima podršku za first-class funkcije i closure“</a:t>
             </a:r>
-          </a:p>
-          <a:p>
-            <a:r>
-              <a:rPr lang="sr-Latn-RS" dirty="0" smtClean="0"/>
-              <a:t>Naravno, činjenica da je Node.js single threaded server ne znači da ne može da koristi snagu višejezgarskih procesora</a:t>
-            </a:r>
-            <a:endParaRPr lang="en-GB" dirty="0"/>
           </a:p>
         </p:txBody>
       </p:sp>
@@ -5295,7 +5288,23 @@
           <a:p>
             <a:r>
               <a:rPr lang="sr-Latn-RS" dirty="0" smtClean="0"/>
-              <a:t>Zbog toga je implementarn u JavaScript-u</a:t>
+              <a:t>Zbog toga je </a:t>
+            </a:r>
+            <a:r>
+              <a:rPr lang="sr-Latn-RS" dirty="0" smtClean="0"/>
+              <a:t>implement</a:t>
+            </a:r>
+            <a:r>
+              <a:rPr lang="sr-Latn-RS" dirty="0" smtClean="0"/>
+              <a:t>ir</a:t>
+            </a:r>
+            <a:r>
+              <a:rPr lang="sr-Latn-RS" dirty="0" smtClean="0"/>
+              <a:t>an </a:t>
+            </a:r>
+            <a:r>
+              <a:rPr lang="sr-Latn-RS" dirty="0" smtClean="0"/>
+              <a:t>u JavaScript-u</a:t>
             </a:r>
             <a:endParaRPr lang="en-GB" dirty="0"/>
           </a:p>
@@ -5400,7 +5409,19 @@
           <a:p>
             <a:r>
               <a:rPr lang="sr-Latn-RS" dirty="0" smtClean="0"/>
-              <a:t>Koje Node.js (odlično) koristi kroz I/O</a:t>
+              <a:t>Koje Node.js (odlično) koristi kroz</a:t>
+            </a:r>
+            <a:r>
+              <a:rPr lang="en-GB" dirty="0"/>
+              <a:t> </a:t>
+            </a:r>
+            <a:r>
+              <a:rPr lang="en-GB" dirty="0" err="1" smtClean="0"/>
+              <a:t>asinhroni</a:t>
+            </a:r>
+            <a:r>
+              <a:rPr lang="sr-Latn-RS" dirty="0" smtClean="0"/>
+              <a:t> I/O</a:t>
             </a:r>
             <a:endParaRPr lang="en-GB" dirty="0"/>
           </a:p>
@@ -5757,7 +5778,7 @@
           <a:p>
             <a:r>
               <a:rPr lang="sr-Latn-RS" dirty="0" smtClean="0"/>
-              <a:t>Svaki fajl je u modul</a:t>
+              <a:t>Svaki fajl je modul</a:t>
             </a:r>
             <a:endParaRPr lang="en-GB" dirty="0"/>
           </a:p>
@@ -6338,11 +6359,11 @@
             <a:pPr lvl="1"/>
             <a:r>
               <a:rPr lang="sr-Latn-RS" dirty="0" smtClean="0"/>
-              <a:t>Ako </a:t>
+              <a:t>Ako vraća </a:t>
             </a:r>
             <a:r>
               <a:rPr lang="sr-Latn-RS" dirty="0"/>
-              <a:t>vraćaju objekat, to je deljeni mutabilni </a:t>
+              <a:t>objekat, to je deljeni mutabilni </a:t>
             </a:r>
             <a:r>
               <a:rPr lang="sr-Latn-RS" dirty="0" smtClean="0"/>
@@ -6513,7 +6534,7 @@
         </p:spPr>
         <p:txBody>
           <a:bodyPr>
-            <a:normAutofit fontScale="62500" lnSpcReduction="20000"/>
+            <a:normAutofit fontScale="77500" lnSpcReduction="20000"/>
           </a:bodyPr>
           <a:lstStyle/>
           <a:p>
@@ -6746,22 +6767,6 @@
             </a:pPr>
             <a:endParaRPr lang="sr-Latn-RS" dirty="0">
               <a:latin typeface="Courier New" panose="02070309020205020404" pitchFamily="49" charset="0"/>
-              <a:cs typeface="Courier New" panose="02070309020205020404" pitchFamily="49" charset="0"/>
-            </a:endParaRPr>
-          </a:p>
-          <a:p>
-            <a:pPr marL="0" indent="0">
-              <a:buNone/>
-            </a:pPr>
-            <a:r>
-              <a:rPr lang="sr-Latn-RS" dirty="0" smtClean="0">
-                <a:latin typeface="+mj-lt"/>
-                <a:cs typeface="Courier New" panose="02070309020205020404" pitchFamily="49" charset="0"/>
-              </a:rPr>
-              <a:t>Zadatak za vežbanje: kroz module implementirati nasleđivanje iz primera sa prošlog časa</a:t>
-            </a:r>
-            <a:endParaRPr lang="en-GB" dirty="0">
-              <a:latin typeface="+mj-lt"/>
               <a:cs typeface="Courier New" panose="02070309020205020404" pitchFamily="49" charset="0"/>
             </a:endParaRPr>
           </a:p>
@@ -7597,7 +7602,15 @@
           <a:p>
             <a:r>
               <a:rPr lang="sr-Latn-RS" dirty="0" smtClean="0"/>
-              <a:t>Zbog toga je implementarn u JavaScript-u</a:t>
+              <a:t>Zbog toga je </a:t>
+            </a:r>
+            <a:r>
+              <a:rPr lang="sr-Latn-RS" dirty="0"/>
+              <a:t>implementiran u </a:t>
+            </a:r>
+            <a:r>
+              <a:rPr lang="sr-Latn-RS" dirty="0" smtClean="0"/>
+              <a:t>JavaScript-u</a:t>
             </a:r>
           </a:p>
           <a:p>
@@ -9435,7 +9448,15 @@
             </a:pPr>
             <a:r>
               <a:rPr lang="sr-Latn-RS" dirty="0" smtClean="0"/>
-              <a:t>Pristup podacima na disku je za 8 redova veličine sporiji od RAM-a </a:t>
+              <a:t>Pristup podacima na disku je za </a:t>
+            </a:r>
+            <a:r>
+              <a:rPr lang="sr-Latn-RS" b="1" dirty="0" smtClean="0"/>
+              <a:t>8 redova veličine</a:t>
+            </a:r>
+            <a:r>
+              <a:rPr lang="sr-Latn-RS" dirty="0" smtClean="0"/>
+              <a:t> sporiji od RAM-a </a:t>
             </a:r>
           </a:p>
           <a:p>
